--- a/Multi_Agent/PPTX/Learning Individual Intrinsic Reward in Multi-Agent Reinforcement Learning.pptx
+++ b/Multi_Agent/PPTX/Learning Individual Intrinsic Reward in Multi-Agent Reinforcement Learning.pptx
@@ -5852,7 +5852,7 @@
           <a:p>
             <a:r>
               <a:rPr lang="en-US" altLang="ko-KR" dirty="0"/>
-              <a:t>2020.3.6</a:t>
+              <a:t>2020.3.25</a:t>
             </a:r>
           </a:p>
           <a:p>
@@ -6486,9 +6486,6 @@
             <a:endParaRPr lang="en-US" altLang="ko-KR" sz="2000" dirty="0"/>
           </a:p>
           <a:p>
-            <a:endParaRPr lang="en-US" altLang="ko-KR" sz="2400" dirty="0"/>
-          </a:p>
-          <a:p>
             <a:pPr marL="0" indent="0">
               <a:buNone/>
             </a:pPr>
@@ -6528,12 +6525,44 @@
             <a:endParaRPr lang="en-US" altLang="ko-KR" sz="2400" dirty="0"/>
           </a:p>
           <a:p>
-            <a:pPr marL="0" indent="0">
-              <a:buNone/>
-            </a:pPr>
+            <a:endParaRPr lang="en-US" altLang="ko-KR" sz="2400" dirty="0"/>
+          </a:p>
+          <a:p>
             <a:r>
               <a:rPr lang="en-US" altLang="ko-KR" sz="2400" dirty="0"/>
-              <a:t>				</a:t>
+              <a:t>QMIX</a:t>
+            </a:r>
+            <a:r>
+              <a:rPr lang="ko-KR" altLang="en-US" sz="2400" dirty="0"/>
+              <a:t>는 </a:t>
+            </a:r>
+            <a:r>
+              <a:rPr lang="en-US" altLang="ko-KR" sz="2400" dirty="0"/>
+              <a:t>Q-</a:t>
+            </a:r>
+            <a:r>
+              <a:rPr lang="ko-KR" altLang="en-US" sz="2400" dirty="0"/>
+              <a:t>러닝 방식이며 </a:t>
+            </a:r>
+            <a:r>
+              <a:rPr lang="en-US" altLang="ko-KR" sz="2400" dirty="0"/>
+              <a:t>LIIR</a:t>
+            </a:r>
+            <a:r>
+              <a:rPr lang="ko-KR" altLang="en-US" sz="2400" dirty="0"/>
+              <a:t>은 </a:t>
+            </a:r>
+            <a:r>
+              <a:rPr lang="en-US" altLang="ko-KR" sz="2400" dirty="0"/>
+              <a:t>policy gradient 	</a:t>
+            </a:r>
+            <a:r>
+              <a:rPr lang="ko-KR" altLang="en-US" sz="2400" dirty="0"/>
+              <a:t>방법이다</a:t>
+            </a:r>
+            <a:r>
+              <a:rPr lang="en-US" altLang="ko-KR" sz="2400" dirty="0"/>
+              <a:t>.</a:t>
             </a:r>
           </a:p>
           <a:p>
@@ -7728,7 +7757,12 @@
             <p:ph idx="1"/>
           </p:nvPr>
         </p:nvSpPr>
-        <p:spPr/>
+        <p:spPr>
+          <a:xfrm>
+            <a:off x="457200" y="1644352"/>
+            <a:ext cx="8229600" cy="4953000"/>
+          </a:xfrm>
+        </p:spPr>
         <p:txBody>
           <a:bodyPr/>
           <a:lstStyle/>
@@ -7912,7 +7946,7 @@
         </p:blipFill>
         <p:spPr>
           <a:xfrm>
-            <a:off x="2705100" y="2928229"/>
+            <a:off x="2686445" y="2928229"/>
             <a:ext cx="3733800" cy="323850"/>
           </a:xfrm>
           <a:prstGeom prst="rect">
@@ -7980,6 +8014,446 @@
           </a:prstGeom>
         </p:spPr>
       </p:pic>
+      <p:sp>
+        <p:nvSpPr>
+          <p:cNvPr id="6" name="TextBox 5">
+            <a:extLst>
+              <a:ext uri="{FF2B5EF4-FFF2-40B4-BE49-F238E27FC236}">
+                <a16:creationId xmlns:a16="http://schemas.microsoft.com/office/drawing/2014/main" id="{A06A0684-758B-4385-A2AA-BC501CC0C98C}"/>
+              </a:ext>
+            </a:extLst>
+          </p:cNvPr>
+          <p:cNvSpPr txBox="1"/>
+          <p:nvPr/>
+        </p:nvSpPr>
+        <p:spPr>
+          <a:xfrm>
+            <a:off x="107504" y="2837063"/>
+            <a:ext cx="1296144" cy="369332"/>
+          </a:xfrm>
+          <a:prstGeom prst="rect">
+            <a:avLst/>
+          </a:prstGeom>
+          <a:noFill/>
+        </p:spPr>
+        <p:txBody>
+          <a:bodyPr wrap="square" rtlCol="0">
+            <a:spAutoFit/>
+          </a:bodyPr>
+          <a:lstStyle/>
+          <a:p>
+            <a:r>
+              <a:rPr lang="en-US" altLang="ko-KR" dirty="0">
+                <a:solidFill>
+                  <a:schemeClr val="tx2">
+                    <a:lumMod val="60000"/>
+                    <a:lumOff val="40000"/>
+                  </a:schemeClr>
+                </a:solidFill>
+              </a:rPr>
+              <a:t>Proxy-critic</a:t>
+            </a:r>
+            <a:endParaRPr lang="ko-KR" altLang="en-US" dirty="0">
+              <a:solidFill>
+                <a:schemeClr val="tx2">
+                  <a:lumMod val="60000"/>
+                  <a:lumOff val="40000"/>
+                </a:schemeClr>
+              </a:solidFill>
+            </a:endParaRPr>
+          </a:p>
+        </p:txBody>
+      </p:sp>
+      <p:cxnSp>
+        <p:nvCxnSpPr>
+          <p:cNvPr id="13" name="직선 화살표 연결선 12">
+            <a:extLst>
+              <a:ext uri="{FF2B5EF4-FFF2-40B4-BE49-F238E27FC236}">
+                <a16:creationId xmlns:a16="http://schemas.microsoft.com/office/drawing/2014/main" id="{2A046147-A6F5-46CD-9601-EE5AFA0F816F}"/>
+              </a:ext>
+            </a:extLst>
+          </p:cNvPr>
+          <p:cNvCxnSpPr/>
+          <p:nvPr/>
+        </p:nvCxnSpPr>
+        <p:spPr>
+          <a:xfrm flipV="1">
+            <a:off x="755576" y="2636912"/>
+            <a:ext cx="1008112" cy="247406"/>
+          </a:xfrm>
+          <a:prstGeom prst="straightConnector1">
+            <a:avLst/>
+          </a:prstGeom>
+          <a:ln>
+            <a:tailEnd type="triangle"/>
+          </a:ln>
+        </p:spPr>
+        <p:style>
+          <a:lnRef idx="1">
+            <a:schemeClr val="accent1"/>
+          </a:lnRef>
+          <a:fillRef idx="0">
+            <a:schemeClr val="accent1"/>
+          </a:fillRef>
+          <a:effectRef idx="0">
+            <a:schemeClr val="accent1"/>
+          </a:effectRef>
+          <a:fontRef idx="minor">
+            <a:schemeClr val="tx1"/>
+          </a:fontRef>
+        </p:style>
+      </p:cxnSp>
+      <p:sp>
+        <p:nvSpPr>
+          <p:cNvPr id="15" name="TextBox 14">
+            <a:extLst>
+              <a:ext uri="{FF2B5EF4-FFF2-40B4-BE49-F238E27FC236}">
+                <a16:creationId xmlns:a16="http://schemas.microsoft.com/office/drawing/2014/main" id="{E07053FD-E572-4BEC-AC13-87D4F3163C70}"/>
+              </a:ext>
+            </a:extLst>
+          </p:cNvPr>
+          <p:cNvSpPr txBox="1"/>
+          <p:nvPr/>
+        </p:nvSpPr>
+        <p:spPr>
+          <a:xfrm>
+            <a:off x="7596336" y="3706779"/>
+            <a:ext cx="1520255" cy="369332"/>
+          </a:xfrm>
+          <a:prstGeom prst="rect">
+            <a:avLst/>
+          </a:prstGeom>
+          <a:noFill/>
+        </p:spPr>
+        <p:txBody>
+          <a:bodyPr wrap="square" rtlCol="0">
+            <a:spAutoFit/>
+          </a:bodyPr>
+          <a:lstStyle/>
+          <a:p>
+            <a:r>
+              <a:rPr lang="en-US" altLang="ko-KR" dirty="0">
+                <a:solidFill>
+                  <a:schemeClr val="tx2">
+                    <a:lumMod val="60000"/>
+                    <a:lumOff val="40000"/>
+                  </a:schemeClr>
+                </a:solidFill>
+              </a:rPr>
+              <a:t>Extrinsic-critic</a:t>
+            </a:r>
+            <a:endParaRPr lang="ko-KR" altLang="en-US" dirty="0">
+              <a:solidFill>
+                <a:schemeClr val="tx2">
+                  <a:lumMod val="60000"/>
+                  <a:lumOff val="40000"/>
+                </a:schemeClr>
+              </a:solidFill>
+            </a:endParaRPr>
+          </a:p>
+        </p:txBody>
+      </p:sp>
+      <p:cxnSp>
+        <p:nvCxnSpPr>
+          <p:cNvPr id="16" name="직선 화살표 연결선 15">
+            <a:extLst>
+              <a:ext uri="{FF2B5EF4-FFF2-40B4-BE49-F238E27FC236}">
+                <a16:creationId xmlns:a16="http://schemas.microsoft.com/office/drawing/2014/main" id="{B00865BF-2CA3-4790-B90D-261540CCD89A}"/>
+              </a:ext>
+            </a:extLst>
+          </p:cNvPr>
+          <p:cNvCxnSpPr>
+            <a:cxnSpLocks/>
+          </p:cNvCxnSpPr>
+          <p:nvPr/>
+        </p:nvCxnSpPr>
+        <p:spPr>
+          <a:xfrm flipH="1">
+            <a:off x="5924947" y="3994169"/>
+            <a:ext cx="1743397" cy="711195"/>
+          </a:xfrm>
+          <a:prstGeom prst="straightConnector1">
+            <a:avLst/>
+          </a:prstGeom>
+          <a:ln>
+            <a:tailEnd type="triangle"/>
+          </a:ln>
+        </p:spPr>
+        <p:style>
+          <a:lnRef idx="1">
+            <a:schemeClr val="accent1"/>
+          </a:lnRef>
+          <a:fillRef idx="0">
+            <a:schemeClr val="accent1"/>
+          </a:fillRef>
+          <a:effectRef idx="0">
+            <a:schemeClr val="accent1"/>
+          </a:effectRef>
+          <a:fontRef idx="minor">
+            <a:schemeClr val="tx1"/>
+          </a:fontRef>
+        </p:style>
+      </p:cxnSp>
+      <p:cxnSp>
+        <p:nvCxnSpPr>
+          <p:cNvPr id="23" name="직선 연결선 22">
+            <a:extLst>
+              <a:ext uri="{FF2B5EF4-FFF2-40B4-BE49-F238E27FC236}">
+                <a16:creationId xmlns:a16="http://schemas.microsoft.com/office/drawing/2014/main" id="{0B18FB3C-6C38-4979-A3F0-61D15C867D93}"/>
+              </a:ext>
+            </a:extLst>
+          </p:cNvPr>
+          <p:cNvCxnSpPr>
+            <a:cxnSpLocks/>
+          </p:cNvCxnSpPr>
+          <p:nvPr/>
+        </p:nvCxnSpPr>
+        <p:spPr>
+          <a:xfrm flipV="1">
+            <a:off x="4337410" y="4429501"/>
+            <a:ext cx="469180" cy="5832"/>
+          </a:xfrm>
+          <a:prstGeom prst="line">
+            <a:avLst/>
+          </a:prstGeom>
+          <a:ln w="19050">
+            <a:solidFill>
+              <a:schemeClr val="accent6">
+                <a:lumMod val="75000"/>
+              </a:schemeClr>
+            </a:solidFill>
+          </a:ln>
+        </p:spPr>
+        <p:style>
+          <a:lnRef idx="1">
+            <a:schemeClr val="accent6"/>
+          </a:lnRef>
+          <a:fillRef idx="0">
+            <a:schemeClr val="accent6"/>
+          </a:fillRef>
+          <a:effectRef idx="0">
+            <a:schemeClr val="accent6"/>
+          </a:effectRef>
+          <a:fontRef idx="minor">
+            <a:schemeClr val="tx1"/>
+          </a:fontRef>
+        </p:style>
+      </p:cxnSp>
+      <p:cxnSp>
+        <p:nvCxnSpPr>
+          <p:cNvPr id="27" name="직선 연결선 26">
+            <a:extLst>
+              <a:ext uri="{FF2B5EF4-FFF2-40B4-BE49-F238E27FC236}">
+                <a16:creationId xmlns:a16="http://schemas.microsoft.com/office/drawing/2014/main" id="{CFA48C04-29BF-43BF-B814-E05688A94780}"/>
+              </a:ext>
+            </a:extLst>
+          </p:cNvPr>
+          <p:cNvCxnSpPr>
+            <a:cxnSpLocks/>
+          </p:cNvCxnSpPr>
+          <p:nvPr/>
+        </p:nvCxnSpPr>
+        <p:spPr>
+          <a:xfrm>
+            <a:off x="2585206" y="5150023"/>
+            <a:ext cx="618642" cy="0"/>
+          </a:xfrm>
+          <a:prstGeom prst="line">
+            <a:avLst/>
+          </a:prstGeom>
+          <a:ln w="19050">
+            <a:solidFill>
+              <a:schemeClr val="accent6">
+                <a:lumMod val="75000"/>
+              </a:schemeClr>
+            </a:solidFill>
+          </a:ln>
+        </p:spPr>
+        <p:style>
+          <a:lnRef idx="1">
+            <a:schemeClr val="accent6"/>
+          </a:lnRef>
+          <a:fillRef idx="0">
+            <a:schemeClr val="accent6"/>
+          </a:fillRef>
+          <a:effectRef idx="0">
+            <a:schemeClr val="accent6"/>
+          </a:effectRef>
+          <a:fontRef idx="minor">
+            <a:schemeClr val="tx1"/>
+          </a:fontRef>
+        </p:style>
+      </p:cxnSp>
+      <p:cxnSp>
+        <p:nvCxnSpPr>
+          <p:cNvPr id="29" name="직선 연결선 28">
+            <a:extLst>
+              <a:ext uri="{FF2B5EF4-FFF2-40B4-BE49-F238E27FC236}">
+                <a16:creationId xmlns:a16="http://schemas.microsoft.com/office/drawing/2014/main" id="{1ED81D4A-41B6-42AA-ABDA-306A19D4A8F3}"/>
+              </a:ext>
+            </a:extLst>
+          </p:cNvPr>
+          <p:cNvCxnSpPr>
+            <a:cxnSpLocks/>
+          </p:cNvCxnSpPr>
+          <p:nvPr/>
+        </p:nvCxnSpPr>
+        <p:spPr>
+          <a:xfrm flipV="1">
+            <a:off x="4995838" y="4429501"/>
+            <a:ext cx="469180" cy="5832"/>
+          </a:xfrm>
+          <a:prstGeom prst="line">
+            <a:avLst/>
+          </a:prstGeom>
+          <a:ln w="19050">
+            <a:solidFill>
+              <a:srgbClr val="00B050"/>
+            </a:solidFill>
+          </a:ln>
+        </p:spPr>
+        <p:style>
+          <a:lnRef idx="1">
+            <a:schemeClr val="accent6"/>
+          </a:lnRef>
+          <a:fillRef idx="0">
+            <a:schemeClr val="accent6"/>
+          </a:fillRef>
+          <a:effectRef idx="0">
+            <a:schemeClr val="accent6"/>
+          </a:effectRef>
+          <a:fontRef idx="minor">
+            <a:schemeClr val="tx1"/>
+          </a:fontRef>
+        </p:style>
+      </p:cxnSp>
+      <p:cxnSp>
+        <p:nvCxnSpPr>
+          <p:cNvPr id="30" name="직선 연결선 29">
+            <a:extLst>
+              <a:ext uri="{FF2B5EF4-FFF2-40B4-BE49-F238E27FC236}">
+                <a16:creationId xmlns:a16="http://schemas.microsoft.com/office/drawing/2014/main" id="{75060BEA-CB84-407C-A72D-1CFAA60310D9}"/>
+              </a:ext>
+            </a:extLst>
+          </p:cNvPr>
+          <p:cNvCxnSpPr>
+            <a:cxnSpLocks/>
+          </p:cNvCxnSpPr>
+          <p:nvPr/>
+        </p:nvCxnSpPr>
+        <p:spPr>
+          <a:xfrm>
+            <a:off x="1895475" y="5906478"/>
+            <a:ext cx="706733" cy="0"/>
+          </a:xfrm>
+          <a:prstGeom prst="line">
+            <a:avLst/>
+          </a:prstGeom>
+          <a:ln w="19050">
+            <a:solidFill>
+              <a:srgbClr val="00B050"/>
+            </a:solidFill>
+          </a:ln>
+        </p:spPr>
+        <p:style>
+          <a:lnRef idx="1">
+            <a:schemeClr val="accent6"/>
+          </a:lnRef>
+          <a:fillRef idx="0">
+            <a:schemeClr val="accent6"/>
+          </a:fillRef>
+          <a:effectRef idx="0">
+            <a:schemeClr val="accent6"/>
+          </a:effectRef>
+          <a:fontRef idx="minor">
+            <a:schemeClr val="tx1"/>
+          </a:fontRef>
+        </p:style>
+      </p:cxnSp>
+      <p:cxnSp>
+        <p:nvCxnSpPr>
+          <p:cNvPr id="32" name="직선 연결선 31">
+            <a:extLst>
+              <a:ext uri="{FF2B5EF4-FFF2-40B4-BE49-F238E27FC236}">
+                <a16:creationId xmlns:a16="http://schemas.microsoft.com/office/drawing/2014/main" id="{3F9C981D-6708-4760-8762-33E2388D9711}"/>
+              </a:ext>
+            </a:extLst>
+          </p:cNvPr>
+          <p:cNvCxnSpPr/>
+          <p:nvPr/>
+        </p:nvCxnSpPr>
+        <p:spPr>
+          <a:xfrm>
+            <a:off x="3203848" y="3252079"/>
+            <a:ext cx="3168352" cy="0"/>
+          </a:xfrm>
+          <a:prstGeom prst="line">
+            <a:avLst/>
+          </a:prstGeom>
+          <a:ln w="38100">
+            <a:solidFill>
+              <a:srgbClr val="7030A0"/>
+            </a:solidFill>
+          </a:ln>
+        </p:spPr>
+        <p:style>
+          <a:lnRef idx="1">
+            <a:schemeClr val="accent1"/>
+          </a:lnRef>
+          <a:fillRef idx="0">
+            <a:schemeClr val="accent1"/>
+          </a:fillRef>
+          <a:effectRef idx="0">
+            <a:schemeClr val="accent1"/>
+          </a:effectRef>
+          <a:fontRef idx="minor">
+            <a:schemeClr val="tx1"/>
+          </a:fontRef>
+        </p:style>
+      </p:cxnSp>
+      <p:cxnSp>
+        <p:nvCxnSpPr>
+          <p:cNvPr id="33" name="직선 연결선 32">
+            <a:extLst>
+              <a:ext uri="{FF2B5EF4-FFF2-40B4-BE49-F238E27FC236}">
+                <a16:creationId xmlns:a16="http://schemas.microsoft.com/office/drawing/2014/main" id="{40401F70-AF28-41D4-8F37-97AB88E47E14}"/>
+              </a:ext>
+            </a:extLst>
+          </p:cNvPr>
+          <p:cNvCxnSpPr>
+            <a:cxnSpLocks/>
+          </p:cNvCxnSpPr>
+          <p:nvPr/>
+        </p:nvCxnSpPr>
+        <p:spPr>
+          <a:xfrm>
+            <a:off x="3251893" y="5906478"/>
+            <a:ext cx="3912395" cy="0"/>
+          </a:xfrm>
+          <a:prstGeom prst="line">
+            <a:avLst/>
+          </a:prstGeom>
+          <a:ln w="38100">
+            <a:solidFill>
+              <a:srgbClr val="7030A0"/>
+            </a:solidFill>
+          </a:ln>
+        </p:spPr>
+        <p:style>
+          <a:lnRef idx="1">
+            <a:schemeClr val="accent1"/>
+          </a:lnRef>
+          <a:fillRef idx="0">
+            <a:schemeClr val="accent1"/>
+          </a:fillRef>
+          <a:effectRef idx="0">
+            <a:schemeClr val="accent1"/>
+          </a:effectRef>
+          <a:fontRef idx="minor">
+            <a:schemeClr val="tx1"/>
+          </a:fontRef>
+        </p:style>
+      </p:cxnSp>
     </p:spTree>
     <p:extLst>
       <p:ext uri="{BB962C8B-B14F-4D97-AF65-F5344CB8AC3E}">
@@ -8075,6 +8549,149 @@
           </a:prstGeom>
         </p:spPr>
       </p:pic>
+      <p:pic>
+        <p:nvPicPr>
+          <p:cNvPr id="3" name="그림 2">
+            <a:extLst>
+              <a:ext uri="{FF2B5EF4-FFF2-40B4-BE49-F238E27FC236}">
+                <a16:creationId xmlns:a16="http://schemas.microsoft.com/office/drawing/2014/main" id="{5A499088-2788-4728-9412-A3C711121B13}"/>
+              </a:ext>
+            </a:extLst>
+          </p:cNvPr>
+          <p:cNvPicPr>
+            <a:picLocks noChangeAspect="1"/>
+          </p:cNvPicPr>
+          <p:nvPr/>
+        </p:nvPicPr>
+        <p:blipFill>
+          <a:blip r:embed="rId4"/>
+          <a:stretch>
+            <a:fillRect/>
+          </a:stretch>
+        </p:blipFill>
+        <p:spPr>
+          <a:xfrm>
+            <a:off x="4783413" y="1645878"/>
+            <a:ext cx="3961375" cy="424433"/>
+          </a:xfrm>
+          <a:prstGeom prst="rect">
+            <a:avLst/>
+          </a:prstGeom>
+        </p:spPr>
+      </p:pic>
+      <p:cxnSp>
+        <p:nvCxnSpPr>
+          <p:cNvPr id="6" name="직선 화살표 연결선 5">
+            <a:extLst>
+              <a:ext uri="{FF2B5EF4-FFF2-40B4-BE49-F238E27FC236}">
+                <a16:creationId xmlns:a16="http://schemas.microsoft.com/office/drawing/2014/main" id="{53E90B3C-F1D1-4C05-A5BF-65C1D36EC3DB}"/>
+              </a:ext>
+            </a:extLst>
+          </p:cNvPr>
+          <p:cNvCxnSpPr>
+            <a:cxnSpLocks/>
+          </p:cNvCxnSpPr>
+          <p:nvPr/>
+        </p:nvCxnSpPr>
+        <p:spPr>
+          <a:xfrm flipH="1">
+            <a:off x="3760887" y="1858095"/>
+            <a:ext cx="1008111" cy="358985"/>
+          </a:xfrm>
+          <a:prstGeom prst="straightConnector1">
+            <a:avLst/>
+          </a:prstGeom>
+          <a:ln w="38100">
+            <a:tailEnd type="triangle"/>
+          </a:ln>
+        </p:spPr>
+        <p:style>
+          <a:lnRef idx="1">
+            <a:schemeClr val="accent1"/>
+          </a:lnRef>
+          <a:fillRef idx="0">
+            <a:schemeClr val="accent1"/>
+          </a:fillRef>
+          <a:effectRef idx="0">
+            <a:schemeClr val="accent1"/>
+          </a:effectRef>
+          <a:fontRef idx="minor">
+            <a:schemeClr val="tx1"/>
+          </a:fontRef>
+        </p:style>
+      </p:cxnSp>
+      <p:pic>
+        <p:nvPicPr>
+          <p:cNvPr id="7" name="그림 6">
+            <a:extLst>
+              <a:ext uri="{FF2B5EF4-FFF2-40B4-BE49-F238E27FC236}">
+                <a16:creationId xmlns:a16="http://schemas.microsoft.com/office/drawing/2014/main" id="{4E67804B-C191-43CA-9A8D-65869531677A}"/>
+              </a:ext>
+            </a:extLst>
+          </p:cNvPr>
+          <p:cNvPicPr>
+            <a:picLocks noChangeAspect="1"/>
+          </p:cNvPicPr>
+          <p:nvPr/>
+        </p:nvPicPr>
+        <p:blipFill>
+          <a:blip r:embed="rId5"/>
+          <a:stretch>
+            <a:fillRect/>
+          </a:stretch>
+        </p:blipFill>
+        <p:spPr>
+          <a:xfrm>
+            <a:off x="2514039" y="6296049"/>
+            <a:ext cx="6172762" cy="340747"/>
+          </a:xfrm>
+          <a:prstGeom prst="rect">
+            <a:avLst/>
+          </a:prstGeom>
+        </p:spPr>
+      </p:pic>
+      <p:cxnSp>
+        <p:nvCxnSpPr>
+          <p:cNvPr id="8" name="직선 화살표 연결선 7">
+            <a:extLst>
+              <a:ext uri="{FF2B5EF4-FFF2-40B4-BE49-F238E27FC236}">
+                <a16:creationId xmlns:a16="http://schemas.microsoft.com/office/drawing/2014/main" id="{1DD73094-D699-4C00-86E4-91AFD379C517}"/>
+              </a:ext>
+            </a:extLst>
+          </p:cNvPr>
+          <p:cNvCxnSpPr>
+            <a:cxnSpLocks/>
+            <a:stCxn id="7" idx="0"/>
+          </p:cNvCxnSpPr>
+          <p:nvPr/>
+        </p:nvCxnSpPr>
+        <p:spPr>
+          <a:xfrm flipH="1" flipV="1">
+            <a:off x="5580114" y="5517233"/>
+            <a:ext cx="20306" cy="778816"/>
+          </a:xfrm>
+          <a:prstGeom prst="straightConnector1">
+            <a:avLst/>
+          </a:prstGeom>
+          <a:ln w="38100">
+            <a:tailEnd type="triangle"/>
+          </a:ln>
+        </p:spPr>
+        <p:style>
+          <a:lnRef idx="1">
+            <a:schemeClr val="accent1"/>
+          </a:lnRef>
+          <a:fillRef idx="0">
+            <a:schemeClr val="accent1"/>
+          </a:fillRef>
+          <a:effectRef idx="0">
+            <a:schemeClr val="accent1"/>
+          </a:effectRef>
+          <a:fontRef idx="minor">
+            <a:schemeClr val="tx1"/>
+          </a:fontRef>
+        </p:style>
+      </p:cxnSp>
     </p:spTree>
     <p:extLst>
       <p:ext uri="{BB962C8B-B14F-4D97-AF65-F5344CB8AC3E}">
